--- a/Slides/20486Core_02.pptx
+++ b/Slides/20486Core_02.pptx
@@ -31,46 +31,46 @@
   <p:notesSz cx="6858000" cy="9144000"/>
   <p:embeddedFontLst>
     <p:embeddedFont>
-      <p:font typeface="Segoe Light" panose="020B0604020202020204" charset="0"/>
+      <p:font typeface="Calibri" panose="020F0502020204030204" pitchFamily="34" charset="0"/>
       <p:regular r:id="rId21"/>
-      <p:italic r:id="rId22"/>
+      <p:bold r:id="rId22"/>
+      <p:italic r:id="rId23"/>
+      <p:boldItalic r:id="rId24"/>
+    </p:embeddedFont>
+    <p:embeddedFont>
+      <p:font typeface="Arial Unicode MS" panose="020B0604020202020204" charset="-128"/>
+      <p:regular r:id="rId25"/>
+    </p:embeddedFont>
+    <p:embeddedFont>
+      <p:font typeface="Verdana" panose="020B0604030504040204" pitchFamily="34" charset="0"/>
+      <p:regular r:id="rId26"/>
+      <p:bold r:id="rId27"/>
+      <p:italic r:id="rId28"/>
+      <p:boldItalic r:id="rId29"/>
+    </p:embeddedFont>
+    <p:embeddedFont>
+      <p:font typeface="Segoe UI Light" panose="020B0502040204020203" pitchFamily="34" charset="0"/>
+      <p:regular r:id="rId30"/>
+      <p:italic r:id="rId31"/>
     </p:embeddedFont>
     <p:embeddedFont>
       <p:font typeface="Segoe" panose="020B0604020202020204" charset="0"/>
-      <p:regular r:id="rId23"/>
-      <p:bold r:id="rId24"/>
-      <p:italic r:id="rId25"/>
-      <p:boldItalic r:id="rId26"/>
+      <p:regular r:id="rId32"/>
+      <p:bold r:id="rId33"/>
+      <p:italic r:id="rId34"/>
+      <p:boldItalic r:id="rId35"/>
+    </p:embeddedFont>
+    <p:embeddedFont>
+      <p:font typeface="Segoe Light" panose="020B0604020202020204" charset="0"/>
+      <p:regular r:id="rId36"/>
+      <p:italic r:id="rId37"/>
     </p:embeddedFont>
     <p:embeddedFont>
       <p:font typeface="Segoe UI" panose="020B0502040204020203" pitchFamily="34" charset="0"/>
-      <p:regular r:id="rId27"/>
-      <p:bold r:id="rId28"/>
-      <p:italic r:id="rId29"/>
-      <p:boldItalic r:id="rId30"/>
-    </p:embeddedFont>
-    <p:embeddedFont>
-      <p:font typeface="Calibri" panose="020F0502020204030204" pitchFamily="34" charset="0"/>
-      <p:regular r:id="rId31"/>
-      <p:bold r:id="rId32"/>
-      <p:italic r:id="rId33"/>
-      <p:boldItalic r:id="rId34"/>
-    </p:embeddedFont>
-    <p:embeddedFont>
-      <p:font typeface="Arial Unicode MS" panose="020B0604020202020204" charset="-128"/>
-      <p:regular r:id="rId35"/>
-    </p:embeddedFont>
-    <p:embeddedFont>
-      <p:font typeface="Verdana" panose="020B0604030504040204" pitchFamily="34" charset="0"/>
-      <p:regular r:id="rId36"/>
-      <p:bold r:id="rId37"/>
-      <p:italic r:id="rId38"/>
-      <p:boldItalic r:id="rId39"/>
-    </p:embeddedFont>
-    <p:embeddedFont>
-      <p:font typeface="Segoe UI Light" panose="020B0502040204020203" pitchFamily="34" charset="0"/>
-      <p:regular r:id="rId40"/>
-      <p:italic r:id="rId41"/>
+      <p:regular r:id="rId38"/>
+      <p:bold r:id="rId39"/>
+      <p:italic r:id="rId40"/>
+      <p:boldItalic r:id="rId41"/>
     </p:embeddedFont>
   </p:embeddedFontLst>
   <p:custDataLst>
@@ -287,7 +287,7 @@
             <a:fld id="{43AB7679-6464-4F7C-906F-D933339F25E3}" type="datetimeFigureOut">
               <a:rPr lang="en-US" smtClean="0"/>
               <a:pPr/>
-              <a:t>11/8/2016</a:t>
+              <a:t>12/20/2016</a:t>
             </a:fld>
             <a:endParaRPr lang="en-US"/>
           </a:p>
@@ -582,8 +582,8 @@
         </p:nvSpPr>
         <p:spPr>
           <a:xfrm>
-            <a:off x="4325111" y="73151"/>
-            <a:ext cx="2468880" cy="1851660"/>
+            <a:off x="4325938" y="73025"/>
+            <a:ext cx="2466975" cy="1851025"/>
           </a:xfrm>
         </p:spPr>
       </p:sp>
@@ -9154,24 +9154,20 @@
             <a:spLocks noGrp="1"/>
           </p:cNvSpPr>
           <p:nvPr>
-            <p:ph type="ctrTitle" sz="quarter"/>
+            <p:ph type="title"/>
           </p:nvPr>
         </p:nvSpPr>
-        <p:spPr>
-          <a:xfrm>
-            <a:off x="3106782" y="3169492"/>
-            <a:ext cx="5732417" cy="340093"/>
-          </a:xfrm>
-        </p:spPr>
+        <p:spPr/>
         <p:txBody>
           <a:bodyPr/>
           <a:lstStyle/>
           <a:p>
-            <a:r>
-              <a:rPr lang="en-US" sz="2600" smtClean="0"/>
+            <a:pPr algn="ctr"/>
+            <a:r>
+              <a:rPr lang="en-US" sz="2600" dirty="0" smtClean="0"/>
               <a:t>Module02</a:t>
             </a:r>
-            <a:endParaRPr lang="en-US" sz="2600"/>
+            <a:endParaRPr lang="en-US" sz="2600" dirty="0"/>
           </a:p>
         </p:txBody>
       </p:sp>
@@ -9182,20 +9178,49 @@
             <a:spLocks noGrp="1"/>
           </p:cNvSpPr>
           <p:nvPr>
-            <p:ph type="subTitle" sz="quarter" idx="1"/>
+            <p:ph idx="1"/>
           </p:nvPr>
         </p:nvSpPr>
         <p:spPr/>
         <p:txBody>
-          <a:bodyPr/>
+          <a:bodyPr anchor="ctr"/>
           <a:lstStyle/>
           <a:p>
-            <a:r>
-              <a:rPr lang="en-US" smtClean="0"/>
-              <a:t>Designing ASP.NET MVC 4 Web Applications
-</a:t>
-            </a:r>
-            <a:endParaRPr lang="en-US"/>
+            <a:pPr marL="0" indent="0" algn="ctr">
+              <a:buNone/>
+            </a:pPr>
+            <a:r>
+              <a:rPr lang="en-US" sz="4000" dirty="0" smtClean="0"/>
+              <a:t>Designing </a:t>
+            </a:r>
+            <a:endParaRPr lang="en-US" sz="4000" dirty="0" smtClean="0"/>
+          </a:p>
+          <a:p>
+            <a:pPr marL="0" indent="0" algn="ctr">
+              <a:buNone/>
+            </a:pPr>
+            <a:r>
+              <a:rPr lang="en-US" sz="4000" dirty="0" smtClean="0"/>
+              <a:t>ASP.NET </a:t>
+            </a:r>
+            <a:r>
+              <a:rPr lang="en-US" sz="4000" dirty="0" smtClean="0"/>
+              <a:t>MVC </a:t>
+            </a:r>
+            <a:r>
+              <a:rPr lang="en-US" sz="4000" dirty="0" smtClean="0"/>
+              <a:t>Core </a:t>
+            </a:r>
+          </a:p>
+          <a:p>
+            <a:pPr marL="0" indent="0" algn="ctr">
+              <a:buNone/>
+            </a:pPr>
+            <a:r>
+              <a:rPr lang="en-US" sz="4000" dirty="0" smtClean="0"/>
+              <a:t>Web Applications</a:t>
+            </a:r>
+            <a:endParaRPr lang="en-US" sz="4000" dirty="0"/>
           </a:p>
         </p:txBody>
       </p:sp>
@@ -10682,10 +10707,18 @@
           <a:lstStyle/>
           <a:p>
             <a:r>
-              <a:rPr lang="en-US" smtClean="0"/>
-              <a:t>Lab: Designing ASP.NET MVC 4 Web Applications</a:t>
-            </a:r>
-            <a:endParaRPr lang="en-US"/>
+              <a:rPr lang="en-US" dirty="0" smtClean="0"/>
+              <a:t>Lab: Designing ASP.NET MVC </a:t>
+            </a:r>
+            <a:r>
+              <a:rPr lang="en-US" dirty="0" smtClean="0"/>
+              <a:t>Core </a:t>
+            </a:r>
+            <a:r>
+              <a:rPr lang="en-US" dirty="0" smtClean="0"/>
+              <a:t>Web Applications</a:t>
+            </a:r>
+            <a:endParaRPr lang="en-US" dirty="0"/>
           </a:p>
         </p:txBody>
       </p:sp>
@@ -10833,23 +10866,7 @@
                 <a:ea typeface="Times New Roman"/>
                 <a:cs typeface="Times New Roman"/>
               </a:rPr>
-              <a:t>Your team has chosen ASP.NET MVC </a:t>
-            </a:r>
-            <a:r>
-              <a:rPr lang="en-US" sz="2400" dirty="0" smtClean="0">
-                <a:latin typeface="Segoe UI"/>
-                <a:ea typeface="Times New Roman"/>
-                <a:cs typeface="Times New Roman"/>
-              </a:rPr>
-              <a:t>Core </a:t>
-            </a:r>
-            <a:r>
-              <a:rPr lang="en-US" sz="2400" dirty="0" smtClean="0">
-                <a:latin typeface="Segoe UI"/>
-                <a:ea typeface="Times New Roman"/>
-                <a:cs typeface="Times New Roman"/>
-              </a:rPr>
-              <a:t>as the most appropriate ASP.NET programming model to create the photo sharing application for the Adventure Works web application. You need to create a detailed project design for the application, and have been given a set of functional and technical requirements with other information. You have to plan:</a:t>
+              <a:t>Your team has chosen ASP.NET MVC Core as the most appropriate ASP.NET programming model to create the photo sharing application for the Adventure Works web application. You need to create a detailed project design for the application, and have been given a set of functional and technical requirements with other information. You have to plan:</a:t>
             </a:r>
           </a:p>
           <a:p>
